--- a/Materials/figures manually created/Fig. Detailed explanation of study design.pptx
+++ b/Materials/figures manually created/Fig. Detailed explanation of study design.pptx
@@ -209,7 +209,7 @@
           <a:p>
             <a:fld id="{77C10B95-DE72-CA42-8E03-6337D8532236}" type="datetimeFigureOut">
               <a:rPr lang="de-DE" smtClean="0"/>
-              <a:t>01.08.2024</a:t>
+              <a:t>08.01.2025</a:t>
             </a:fld>
             <a:endParaRPr lang="de-DE"/>
           </a:p>
@@ -696,7 +696,7 @@
           <a:p>
             <a:fld id="{24188342-571A-6841-AC1D-E620118845AD}" type="datetimeFigureOut">
               <a:rPr lang="en-US" smtClean="0"/>
-              <a:t>8/1/2024</a:t>
+              <a:t>1/8/2025</a:t>
             </a:fld>
             <a:endParaRPr lang="en-US"/>
           </a:p>
@@ -866,7 +866,7 @@
           <a:p>
             <a:fld id="{24188342-571A-6841-AC1D-E620118845AD}" type="datetimeFigureOut">
               <a:rPr lang="en-US" smtClean="0"/>
-              <a:t>8/1/2024</a:t>
+              <a:t>1/8/2025</a:t>
             </a:fld>
             <a:endParaRPr lang="en-US"/>
           </a:p>
@@ -1046,7 +1046,7 @@
           <a:p>
             <a:fld id="{24188342-571A-6841-AC1D-E620118845AD}" type="datetimeFigureOut">
               <a:rPr lang="en-US" smtClean="0"/>
-              <a:t>8/1/2024</a:t>
+              <a:t>1/8/2025</a:t>
             </a:fld>
             <a:endParaRPr lang="en-US"/>
           </a:p>
@@ -1216,7 +1216,7 @@
           <a:p>
             <a:fld id="{24188342-571A-6841-AC1D-E620118845AD}" type="datetimeFigureOut">
               <a:rPr lang="en-US" smtClean="0"/>
-              <a:t>8/1/2024</a:t>
+              <a:t>1/8/2025</a:t>
             </a:fld>
             <a:endParaRPr lang="en-US"/>
           </a:p>
@@ -1462,7 +1462,7 @@
           <a:p>
             <a:fld id="{24188342-571A-6841-AC1D-E620118845AD}" type="datetimeFigureOut">
               <a:rPr lang="en-US" smtClean="0"/>
-              <a:t>8/1/2024</a:t>
+              <a:t>1/8/2025</a:t>
             </a:fld>
             <a:endParaRPr lang="en-US"/>
           </a:p>
@@ -1694,7 +1694,7 @@
           <a:p>
             <a:fld id="{24188342-571A-6841-AC1D-E620118845AD}" type="datetimeFigureOut">
               <a:rPr lang="en-US" smtClean="0"/>
-              <a:t>8/1/2024</a:t>
+              <a:t>1/8/2025</a:t>
             </a:fld>
             <a:endParaRPr lang="en-US"/>
           </a:p>
@@ -2061,7 +2061,7 @@
           <a:p>
             <a:fld id="{24188342-571A-6841-AC1D-E620118845AD}" type="datetimeFigureOut">
               <a:rPr lang="en-US" smtClean="0"/>
-              <a:t>8/1/2024</a:t>
+              <a:t>1/8/2025</a:t>
             </a:fld>
             <a:endParaRPr lang="en-US"/>
           </a:p>
@@ -2179,7 +2179,7 @@
           <a:p>
             <a:fld id="{24188342-571A-6841-AC1D-E620118845AD}" type="datetimeFigureOut">
               <a:rPr lang="en-US" smtClean="0"/>
-              <a:t>8/1/2024</a:t>
+              <a:t>1/8/2025</a:t>
             </a:fld>
             <a:endParaRPr lang="en-US"/>
           </a:p>
@@ -2274,7 +2274,7 @@
           <a:p>
             <a:fld id="{24188342-571A-6841-AC1D-E620118845AD}" type="datetimeFigureOut">
               <a:rPr lang="en-US" smtClean="0"/>
-              <a:t>8/1/2024</a:t>
+              <a:t>1/8/2025</a:t>
             </a:fld>
             <a:endParaRPr lang="en-US"/>
           </a:p>
@@ -2551,7 +2551,7 @@
           <a:p>
             <a:fld id="{24188342-571A-6841-AC1D-E620118845AD}" type="datetimeFigureOut">
               <a:rPr lang="en-US" smtClean="0"/>
-              <a:t>8/1/2024</a:t>
+              <a:t>1/8/2025</a:t>
             </a:fld>
             <a:endParaRPr lang="en-US"/>
           </a:p>
@@ -2808,7 +2808,7 @@
           <a:p>
             <a:fld id="{24188342-571A-6841-AC1D-E620118845AD}" type="datetimeFigureOut">
               <a:rPr lang="en-US" smtClean="0"/>
-              <a:t>8/1/2024</a:t>
+              <a:t>1/8/2025</a:t>
             </a:fld>
             <a:endParaRPr lang="en-US"/>
           </a:p>
@@ -3021,7 +3021,7 @@
           <a:p>
             <a:fld id="{24188342-571A-6841-AC1D-E620118845AD}" type="datetimeFigureOut">
               <a:rPr lang="en-US" smtClean="0"/>
-              <a:t>8/1/2024</a:t>
+              <a:t>1/8/2025</a:t>
             </a:fld>
             <a:endParaRPr lang="en-US"/>
           </a:p>
@@ -3795,9 +3795,8 @@
             <a:avLst/>
           </a:prstGeom>
           <a:solidFill>
-            <a:schemeClr val="accent5">
-              <a:lumMod val="40000"/>
-              <a:lumOff val="60000"/>
+            <a:schemeClr val="bg2">
+              <a:lumMod val="50000"/>
             </a:schemeClr>
           </a:solidFill>
         </p:spPr>
@@ -3988,7 +3987,10 @@
               <a:buNone/>
             </a:pPr>
             <a:r>
-              <a:rPr lang="en-US" sz="1400" dirty="0">
+              <a:rPr lang="en-US" sz="1400" b="1" dirty="0">
+                <a:solidFill>
+                  <a:schemeClr val="bg1"/>
+                </a:solidFill>
                 <a:latin typeface="Times New Roman" panose="02020603050405020304" pitchFamily="18" charset="0"/>
                 <a:cs typeface="Times New Roman" panose="02020603050405020304" pitchFamily="18" charset="0"/>
               </a:rPr>
@@ -4112,9 +4114,8 @@
             <a:avLst/>
           </a:prstGeom>
           <a:solidFill>
-            <a:schemeClr val="accent5">
-              <a:lumMod val="40000"/>
-              <a:lumOff val="60000"/>
+            <a:schemeClr val="bg2">
+              <a:lumMod val="50000"/>
             </a:schemeClr>
           </a:solidFill>
         </p:spPr>
@@ -4305,7 +4306,10 @@
               <a:buNone/>
             </a:pPr>
             <a:r>
-              <a:rPr lang="en-US" sz="1400" dirty="0">
+              <a:rPr lang="en-US" sz="1400" b="1" dirty="0">
+                <a:solidFill>
+                  <a:schemeClr val="bg1"/>
+                </a:solidFill>
                 <a:latin typeface="Times New Roman" panose="02020603050405020304" pitchFamily="18" charset="0"/>
                 <a:cs typeface="Times New Roman" panose="02020603050405020304" pitchFamily="18" charset="0"/>
               </a:rPr>
